--- a/Presentation.pptx
+++ b/Presentation.pptx
@@ -361,7 +361,7 @@
           <a:p>
             <a:fld id="{4BDF68E2-58F2-4D09-BE8B-E3BD06533059}" type="datetimeFigureOut">
               <a:rPr lang="en-US" dirty="0"/>
-              <a:t>4/24/16</a:t>
+              <a:t>4/24/2016</a:t>
             </a:fld>
             <a:endParaRPr lang="en-US" dirty="0"/>
           </a:p>
@@ -564,7 +564,7 @@
           <a:p>
             <a:fld id="{2E2D6473-DF6D-4702-B328-E0DD40540A4E}" type="datetimeFigureOut">
               <a:rPr lang="en-US" dirty="0"/>
-              <a:t>4/24/16</a:t>
+              <a:t>4/24/2016</a:t>
             </a:fld>
             <a:endParaRPr lang="en-US" dirty="0"/>
           </a:p>
@@ -815,7 +815,7 @@
           <a:p>
             <a:fld id="{E26F7E3A-B166-407D-9866-32884E7D5B37}" type="datetimeFigureOut">
               <a:rPr lang="en-US" dirty="0"/>
-              <a:t>4/24/16</a:t>
+              <a:t>4/24/2016</a:t>
             </a:fld>
             <a:endParaRPr lang="en-US" dirty="0"/>
           </a:p>
@@ -984,7 +984,7 @@
           <a:p>
             <a:fld id="{528FC5F6-F338-4AE4-BB23-26385BCFC423}" type="datetimeFigureOut">
               <a:rPr lang="en-US" dirty="0"/>
-              <a:t>4/24/16</a:t>
+              <a:t>4/24/2016</a:t>
             </a:fld>
             <a:endParaRPr lang="en-US" dirty="0"/>
           </a:p>
@@ -1322,7 +1322,7 @@
           <a:p>
             <a:fld id="{20EBB0C4-6273-4C6E-B9BD-2EDC30F1CD52}" type="datetimeFigureOut">
               <a:rPr lang="en-US" dirty="0"/>
-              <a:t>4/24/16</a:t>
+              <a:t>4/24/2016</a:t>
             </a:fld>
             <a:endParaRPr lang="en-US" dirty="0"/>
           </a:p>
@@ -1592,7 +1592,7 @@
           <a:p>
             <a:fld id="{19AB4D41-86C1-4908-B66A-0B50CEB3BF29}" type="datetimeFigureOut">
               <a:rPr lang="en-US" dirty="0"/>
-              <a:t>4/24/16</a:t>
+              <a:t>4/24/2016</a:t>
             </a:fld>
             <a:endParaRPr lang="en-US" dirty="0"/>
           </a:p>
@@ -1966,7 +1966,7 @@
           <a:p>
             <a:fld id="{E6426E2C-56C1-4E0D-A793-0088A7FDD37E}" type="datetimeFigureOut">
               <a:rPr lang="en-US" dirty="0"/>
-              <a:t>4/24/16</a:t>
+              <a:t>4/24/2016</a:t>
             </a:fld>
             <a:endParaRPr lang="en-US" dirty="0"/>
           </a:p>
@@ -2079,7 +2079,7 @@
           <a:p>
             <a:fld id="{C8C39B41-D8B5-4052-B551-9B5525EAA8B6}" type="datetimeFigureOut">
               <a:rPr lang="en-US" dirty="0"/>
-              <a:t>4/24/16</a:t>
+              <a:t>4/24/2016</a:t>
             </a:fld>
             <a:endParaRPr lang="en-US" dirty="0"/>
           </a:p>
@@ -2245,7 +2245,7 @@
           <a:p>
             <a:fld id="{4D94136C-8742-45B2-AF27-D93DF72833A9}" type="datetimeFigureOut">
               <a:rPr lang="en-US" dirty="0"/>
-              <a:t>4/24/16</a:t>
+              <a:t>4/24/2016</a:t>
             </a:fld>
             <a:endParaRPr lang="en-US" dirty="0"/>
           </a:p>
@@ -2595,7 +2595,7 @@
           <a:p>
             <a:fld id="{32ABBEA6-7C60-4B02-AE87-00D78D8422AF}" type="datetimeFigureOut">
               <a:rPr lang="en-US" dirty="0"/>
-              <a:t>4/24/16</a:t>
+              <a:t>4/24/2016</a:t>
             </a:fld>
             <a:endParaRPr lang="en-US" dirty="0"/>
           </a:p>
@@ -2973,7 +2973,7 @@
           <a:p>
             <a:fld id="{C9CAD897-D46E-4AD2-BD9B-49DD3E640873}" type="datetimeFigureOut">
               <a:rPr lang="en-US" dirty="0"/>
-              <a:t>4/24/16</a:t>
+              <a:t>4/24/2016</a:t>
             </a:fld>
             <a:endParaRPr lang="en-US" dirty="0"/>
           </a:p>
@@ -3255,7 +3255,7 @@
           <a:p>
             <a:fld id="{98624D31-43A5-475A-80CF-332C9F6DCF35}" type="datetimeFigureOut">
               <a:rPr lang="en-US" dirty="0"/>
-              <a:t>4/24/16</a:t>
+              <a:t>4/24/2016</a:t>
             </a:fld>
             <a:endParaRPr lang="en-US" dirty="0"/>
           </a:p>
@@ -3917,25 +3917,12 @@
               <a:rPr lang="en-US" sz="2400" dirty="0" smtClean="0"/>
               <a:t>Security measures are lacking </a:t>
             </a:r>
-            <a:endParaRPr lang="en-US" sz="2400" dirty="0" smtClean="0"/>
           </a:p>
           <a:p>
             <a:pPr lvl="2"/>
             <a:r>
               <a:rPr lang="en-US" sz="2400" dirty="0" smtClean="0"/>
-              <a:t>A </a:t>
-            </a:r>
-            <a:r>
-              <a:rPr lang="en-US" sz="2400" dirty="0" smtClean="0"/>
-              <a:t>lot of the commute routes </a:t>
-            </a:r>
-            <a:r>
-              <a:rPr lang="en-US" sz="2400" dirty="0" smtClean="0"/>
-              <a:t>are </a:t>
-            </a:r>
-            <a:r>
-              <a:rPr lang="en-US" sz="2400" dirty="0" smtClean="0"/>
-              <a:t>small enough so they have a small chance of getting caught even with adequate security.</a:t>
+              <a:t>A lot of the commute routes are small enough so they have a small chance of getting caught even with adequate security.</a:t>
             </a:r>
           </a:p>
           <a:p>
@@ -3959,13 +3946,8 @@
             <a:pPr lvl="2"/>
             <a:r>
               <a:rPr lang="en-US" sz="2400" dirty="0" smtClean="0"/>
-              <a:t>A lot of people leave their half used ticket in the station for other people to use before it expires</a:t>
-            </a:r>
-            <a:r>
-              <a:rPr lang="en-US" sz="2400" dirty="0" smtClean="0"/>
-              <a:t>.</a:t>
-            </a:r>
-            <a:endParaRPr lang="en-US" sz="2400" dirty="0" smtClean="0"/>
+              <a:t>A lot of people leave their half used ticket in the station for other people to use before it expires.</a:t>
+            </a:r>
           </a:p>
         </p:txBody>
       </p:sp>
@@ -4049,11 +4031,7 @@
             <a:pPr lvl="1"/>
             <a:r>
               <a:rPr lang="en-US" sz="2400" dirty="0" smtClean="0"/>
-              <a:t>We  track </a:t>
-            </a:r>
-            <a:r>
-              <a:rPr lang="en-US" sz="2400" dirty="0" smtClean="0"/>
-              <a:t>the user’s current location and show a Map</a:t>
+              <a:t>We  track the user’s current location and show a Map</a:t>
             </a:r>
           </a:p>
           <a:p>
@@ -4067,11 +4045,7 @@
             <a:pPr lvl="1"/>
             <a:r>
               <a:rPr lang="en-US" sz="2400" dirty="0" smtClean="0"/>
-              <a:t>We </a:t>
-            </a:r>
-            <a:r>
-              <a:rPr lang="en-US" sz="2400" dirty="0" smtClean="0"/>
-              <a:t>compute all the compatible routes and then present them to the user</a:t>
+              <a:t>We compute all the compatible routes and then present them to the user</a:t>
             </a:r>
           </a:p>
           <a:p>
@@ -4111,15 +4085,7 @@
                   <a:srgbClr val="FF0000"/>
                 </a:solidFill>
               </a:rPr>
-              <a:t>Least amount of walking (It is raining or freezing outside, or you are plain lazy</a:t>
-            </a:r>
-            <a:r>
-              <a:rPr lang="en-US" sz="2400" dirty="0" smtClean="0">
-                <a:solidFill>
-                  <a:srgbClr val="FF0000"/>
-                </a:solidFill>
-              </a:rPr>
-              <a:t>)</a:t>
+              <a:t>Least amount of walking (It is raining or freezing outside, or you are plain lazy)</a:t>
             </a:r>
           </a:p>
           <a:p>
@@ -4231,7 +4197,6 @@
               <a:rPr lang="en-US" sz="2400" dirty="0" smtClean="0"/>
               <a:t>Concert tickets and Coupons</a:t>
             </a:r>
-            <a:endParaRPr lang="en-US" sz="2400" dirty="0" smtClean="0"/>
           </a:p>
           <a:p>
             <a:pPr marL="726948" lvl="2" indent="-342900">
@@ -4265,11 +4230,7 @@
             </a:pPr>
             <a:r>
               <a:rPr lang="en-US" sz="2400" dirty="0" smtClean="0"/>
-              <a:t>Delivery </a:t>
-            </a:r>
-            <a:r>
-              <a:rPr lang="en-US" sz="2400" dirty="0" smtClean="0"/>
-              <a:t>services have very low utilization rate, because a lot of time is spent placing orders and managing routes. In an increasingly connected world of </a:t>
+              <a:t>Delivery services have very low utilization rate, because a lot of time is spent placing orders and managing routes. In an increasingly connected world of </a:t>
             </a:r>
             <a:r>
               <a:rPr lang="en-US" sz="2400" dirty="0" err="1" smtClean="0"/>
@@ -4287,11 +4248,7 @@
             </a:pPr>
             <a:r>
               <a:rPr lang="en-US" sz="2400" dirty="0" smtClean="0"/>
-              <a:t>API </a:t>
-            </a:r>
-            <a:r>
-              <a:rPr lang="en-US" sz="2400" dirty="0" smtClean="0"/>
-              <a:t>Keys</a:t>
+              <a:t>API Keys</a:t>
             </a:r>
           </a:p>
           <a:p>
@@ -4836,11 +4793,7 @@
             </a:pPr>
             <a:r>
               <a:rPr lang="en-US" sz="3200" dirty="0" smtClean="0"/>
-              <a:t>We created a </a:t>
-            </a:r>
-            <a:r>
-              <a:rPr lang="en-US" sz="3200" dirty="0" smtClean="0"/>
-              <a:t>centralized marketplace for tickets:</a:t>
+              <a:t>We created a centralized marketplace for tickets:</a:t>
             </a:r>
           </a:p>
           <a:p>
@@ -4851,22 +4804,14 @@
             </a:r>
             <a:r>
               <a:rPr lang="en-US" sz="3200" dirty="0" smtClean="0"/>
-              <a:t>e </a:t>
-            </a:r>
+              <a:t>e can provide them the ability to use only a part of their ticket</a:t>
+            </a:r>
+          </a:p>
+          <a:p>
+            <a:pPr marL="544068" lvl="1" indent="-342900"/>
             <a:r>
               <a:rPr lang="en-US" sz="3200" dirty="0" smtClean="0"/>
-              <a:t>can provide them the ability to use only a part of their ticket</a:t>
-            </a:r>
-          </a:p>
-          <a:p>
-            <a:pPr marL="544068" lvl="1" indent="-342900"/>
-            <a:r>
-              <a:rPr lang="en-US" sz="3200" dirty="0" smtClean="0"/>
-              <a:t>Sometimes </a:t>
-            </a:r>
-            <a:r>
-              <a:rPr lang="en-US" sz="3200" dirty="0" smtClean="0"/>
-              <a:t>people end up bending the rules because it is more convenient</a:t>
+              <a:t>Sometimes people end up bending the rules because it is more convenient</a:t>
             </a:r>
           </a:p>
           <a:p>
@@ -5998,7 +5943,15 @@
             <a:pPr lvl="1"/>
             <a:r>
               <a:rPr lang="en-US" sz="3200" dirty="0" smtClean="0"/>
-              <a:t>And possibly every time the value of a ticket, the money was considered lost anyways</a:t>
+              <a:t>And possibly every time the value of a </a:t>
+            </a:r>
+            <a:r>
+              <a:rPr lang="en-US" sz="3200" dirty="0" smtClean="0"/>
+              <a:t>ticket gets reimbursed, </a:t>
+            </a:r>
+            <a:r>
+              <a:rPr lang="en-US" sz="3200" dirty="0" smtClean="0"/>
+              <a:t>the money was considered lost anyways</a:t>
             </a:r>
             <a:endParaRPr lang="en-US" sz="3200" dirty="0"/>
           </a:p>
@@ -6083,11 +6036,7 @@
           <a:p>
             <a:r>
               <a:rPr lang="en-US" sz="2400" dirty="0" smtClean="0"/>
-              <a:t>The </a:t>
-            </a:r>
-            <a:r>
-              <a:rPr lang="en-US" sz="2400" dirty="0" smtClean="0"/>
-              <a:t>users can now share any type of product or service that expires in the near future.</a:t>
+              <a:t>The users can now share any type of product or service that expires in the near future.</a:t>
             </a:r>
           </a:p>
           <a:p>
